--- a/REU-Poster.pptx
+++ b/REU-Poster.pptx
@@ -5896,7 +5896,7 @@
         </p:nvSpPr>
         <p:spPr>
           <a:xfrm>
-            <a:off x="667385" y="7023735"/>
+            <a:off x="667385" y="7195185"/>
             <a:ext cx="13286740" cy="11379059"/>
           </a:xfrm>
           <a:prstGeom prst="rect">
@@ -5967,7 +5967,7 @@
                   <a:schemeClr val="dk1"/>
                 </a:solidFill>
               </a:rPr>
-              <a:t>    Increasing adoption of “black-box” machine learning methods have</a:t>
+              <a:t>    The increasing adoption of opaque “black box” machine learning models </a:t>
             </a:r>
           </a:p>
           <a:p>
@@ -5978,7 +5978,7 @@
                   <a:schemeClr val="dk1"/>
                 </a:solidFill>
               </a:rPr>
-              <a:t>    prompted efforts to create frameworks for generating interpretable </a:t>
+              <a:t>    requires interpretable explanation framework, particularly in applications</a:t>
             </a:r>
           </a:p>
           <a:p>
@@ -5989,8 +5989,16 @@
                   <a:schemeClr val="dk1"/>
                 </a:solidFill>
               </a:rPr>
-              <a:t>    explanations of predictions. One such framework is Local Interpretable </a:t>
-            </a:r>
+              <a:t>    where it is important to trust machine learning predictions.</a:t>
+            </a:r>
+          </a:p>
+          <a:p>
+            <a:pPr lvl="2"/>
+            <a:endParaRPr lang="en-US" sz="3000" dirty="0">
+              <a:solidFill>
+                <a:schemeClr val="dk1"/>
+              </a:solidFill>
+            </a:endParaRPr>
           </a:p>
           <a:p>
             <a:pPr lvl="2"/>
@@ -6000,7 +6008,7 @@
                   <a:schemeClr val="dk1"/>
                 </a:solidFill>
               </a:rPr>
-              <a:t>    Model-agnostic Explanation (LIME) [1], which attempts to create a locally</a:t>
+              <a:t>    One such framework is Local Interpretable Model-agnostic Explanation </a:t>
             </a:r>
           </a:p>
           <a:p>
@@ -6011,7 +6019,7 @@
                   <a:schemeClr val="dk1"/>
                 </a:solidFill>
               </a:rPr>
-              <a:t>    faithful explanation of a model’s prediction by probing the model’s </a:t>
+              <a:t>    (LIME) [1], which attempts to explain a particular prediction made by a </a:t>
             </a:r>
           </a:p>
           <a:p>
@@ -6022,7 +6030,7 @@
                   <a:schemeClr val="dk1"/>
                 </a:solidFill>
               </a:rPr>
-              <a:t>    behavior on small perturbations of the sample. Although LIME has seen </a:t>
+              <a:t>    model by examining its behavior on nearby points. Although LIME has </a:t>
             </a:r>
           </a:p>
           <a:p>
@@ -6033,7 +6041,7 @@
                   <a:schemeClr val="dk1"/>
                 </a:solidFill>
               </a:rPr>
-              <a:t>    success with image and text data, difficulties exist with tabular and</a:t>
+              <a:t>    seen success with image and text data, difficulties exist with tabular and</a:t>
             </a:r>
           </a:p>
           <a:p>
@@ -6044,7 +6052,7 @@
                   <a:schemeClr val="dk1"/>
                 </a:solidFill>
               </a:rPr>
-              <a:t>    spatial data [2]. In order to investigate classifier and explainer behavior,</a:t>
+              <a:t>    spatial data [2]. However, testing such post-hoc explainers can be difficult,</a:t>
             </a:r>
           </a:p>
           <a:p>
@@ -6055,7 +6063,7 @@
                   <a:schemeClr val="dk1"/>
                 </a:solidFill>
               </a:rPr>
-              <a:t>    it is useful to generate synthetic datasets which are easy to visualize.</a:t>
+              <a:t>    so it is useful to generate synthetic datasets for such testing.</a:t>
             </a:r>
           </a:p>
           <a:p>
@@ -6090,7 +6098,7 @@
                   <a:schemeClr val="dk1"/>
                 </a:solidFill>
               </a:rPr>
-              <a:t>    One particularly interesting class</a:t>
+              <a:t>    Synthetic datasets which are easy</a:t>
             </a:r>
           </a:p>
           <a:p>
@@ -6109,7 +6117,7 @@
                   <a:schemeClr val="dk1"/>
                 </a:solidFill>
               </a:rPr>
-              <a:t>    of spatial clustering problem</a:t>
+              <a:t>    to visualize provide an especially</a:t>
             </a:r>
           </a:p>
           <a:p>
@@ -6128,7 +6136,7 @@
                   <a:schemeClr val="dk1"/>
                 </a:solidFill>
               </a:rPr>
-              <a:t>    involves developing polygonal</a:t>
+              <a:t>    useful tool in investigating attempts</a:t>
             </a:r>
           </a:p>
           <a:p>
@@ -6147,7 +6155,7 @@
                   <a:schemeClr val="dk1"/>
                 </a:solidFill>
               </a:rPr>
-              <a:t>    models for spatial data, which</a:t>
+              <a:t>    at explaining machine learning.</a:t>
             </a:r>
           </a:p>
           <a:p>
@@ -6166,7 +6174,7 @@
                   <a:schemeClr val="dk1"/>
                 </a:solidFill>
               </a:rPr>
-              <a:t>    allows for a higher-level </a:t>
+              <a:t>    Polygonal cluster boundaries offer</a:t>
             </a:r>
           </a:p>
           <a:p>
@@ -6185,26 +6193,23 @@
                   <a:schemeClr val="dk1"/>
                 </a:solidFill>
               </a:rPr>
-              <a:t>    representation of cluster</a:t>
-            </a:r>
-          </a:p>
-          <a:p>
-            <a:pPr marL="0" lvl="0" indent="0" rtl="0">
-              <a:spcBef>
-                <a:spcPts val="0"/>
-              </a:spcBef>
-              <a:spcAft>
-                <a:spcPts val="0"/>
-              </a:spcAft>
-              <a:buNone/>
-            </a:pPr>
+              <a:t>    a method </a:t>
+            </a:r>
+            <a:r>
+              <a:rPr lang="en-US" sz="3000">
+                <a:solidFill>
+                  <a:schemeClr val="dk1"/>
+                </a:solidFill>
+              </a:rPr>
+              <a:t>of generating </a:t>
+            </a:r>
             <a:r>
               <a:rPr lang="en-US" sz="3000" dirty="0">
                 <a:solidFill>
                   <a:schemeClr val="dk1"/>
                 </a:solidFill>
               </a:rPr>
-              <a:t>    geometry [3]. However, this class</a:t>
+              <a:t>visualizable</a:t>
             </a:r>
           </a:p>
           <a:p>
@@ -6223,7 +6228,7 @@
                   <a:schemeClr val="dk1"/>
                 </a:solidFill>
               </a:rPr>
-              <a:t>    of clustering problem lacks a robust</a:t>
+              <a:t>    datasets with higher-level geometric</a:t>
             </a:r>
           </a:p>
           <a:p>
@@ -6242,7 +6247,7 @@
                   <a:schemeClr val="dk1"/>
                 </a:solidFill>
               </a:rPr>
-              <a:t>    solution for generating new</a:t>
+              <a:t>    representations [3], but no robust</a:t>
             </a:r>
           </a:p>
           <a:p>
@@ -6261,13 +6266,32 @@
                   <a:schemeClr val="dk1"/>
                 </a:solidFill>
               </a:rPr>
-              <a:t>    example datasets.</a:t>
+              <a:t>    tool exists for generating such</a:t>
+            </a:r>
+          </a:p>
+          <a:p>
+            <a:pPr marL="0" lvl="0" indent="0" rtl="0">
+              <a:spcBef>
+                <a:spcPts val="0"/>
+              </a:spcBef>
+              <a:spcAft>
+                <a:spcPts val="0"/>
+              </a:spcAft>
+              <a:buNone/>
+            </a:pPr>
+            <a:r>
+              <a:rPr lang="en-US" sz="3000" dirty="0">
+                <a:solidFill>
+                  <a:schemeClr val="dk1"/>
+                </a:solidFill>
+              </a:rPr>
+              <a:t>    datasets.</a:t>
             </a:r>
           </a:p>
         </p:txBody>
       </p:sp>
-      <mc:AlternateContent xmlns:mc="http://schemas.openxmlformats.org/markup-compatibility/2006">
-        <mc:Choice xmlns:a14="http://schemas.microsoft.com/office/drawing/2010/main" Requires="a14">
+      <mc:AlternateContent xmlns:mc="http://schemas.openxmlformats.org/markup-compatibility/2006" xmlns:a14="http://schemas.microsoft.com/office/drawing/2010/main">
+        <mc:Choice Requires="a14">
           <p:sp>
             <p:nvSpPr>
               <p:cNvPr id="57" name="Google Shape;57;p13"/>
@@ -6529,10 +6553,208 @@
                   <a:t>Use rejection sampling to generate points inside each polygon.</a:t>
                 </a:r>
               </a:p>
+              <a:p>
+                <a:pPr marL="457200" lvl="0" indent="-457200" rtl="0">
+                  <a:spcBef>
+                    <a:spcPts val="0"/>
+                  </a:spcBef>
+                  <a:spcAft>
+                    <a:spcPts val="0"/>
+                  </a:spcAft>
+                  <a:buFont typeface="Arial" panose="020B0604020202020204" pitchFamily="34" charset="0"/>
+                  <a:buChar char="•"/>
+                </a:pPr>
+                <a:endParaRPr lang="en-US" sz="3000" dirty="0"/>
+              </a:p>
+              <a:p>
+                <a:pPr marL="457200" lvl="0" indent="-457200" rtl="0">
+                  <a:spcBef>
+                    <a:spcPts val="0"/>
+                  </a:spcBef>
+                  <a:spcAft>
+                    <a:spcPts val="0"/>
+                  </a:spcAft>
+                  <a:buFont typeface="Arial" panose="020B0604020202020204" pitchFamily="34" charset="0"/>
+                  <a:buChar char="•"/>
+                </a:pPr>
+                <a:endParaRPr lang="en-US" sz="3000" dirty="0"/>
+              </a:p>
+              <a:p>
+                <a:pPr marL="457200" lvl="0" indent="-457200" rtl="0">
+                  <a:spcBef>
+                    <a:spcPts val="0"/>
+                  </a:spcBef>
+                  <a:spcAft>
+                    <a:spcPts val="0"/>
+                  </a:spcAft>
+                  <a:buFont typeface="Arial" panose="020B0604020202020204" pitchFamily="34" charset="0"/>
+                  <a:buChar char="•"/>
+                </a:pPr>
+                <a:endParaRPr lang="en-US" sz="3000" dirty="0"/>
+              </a:p>
+              <a:p>
+                <a:pPr marL="457200" lvl="0" indent="-457200" rtl="0">
+                  <a:spcBef>
+                    <a:spcPts val="0"/>
+                  </a:spcBef>
+                  <a:spcAft>
+                    <a:spcPts val="0"/>
+                  </a:spcAft>
+                  <a:buFont typeface="Arial" panose="020B0604020202020204" pitchFamily="34" charset="0"/>
+                  <a:buChar char="•"/>
+                </a:pPr>
+                <a:endParaRPr lang="en-US" sz="3000" dirty="0"/>
+              </a:p>
+              <a:p>
+                <a:pPr marL="457200" lvl="0" indent="-457200" rtl="0">
+                  <a:spcBef>
+                    <a:spcPts val="0"/>
+                  </a:spcBef>
+                  <a:spcAft>
+                    <a:spcPts val="0"/>
+                  </a:spcAft>
+                  <a:buFont typeface="Arial" panose="020B0604020202020204" pitchFamily="34" charset="0"/>
+                  <a:buChar char="•"/>
+                </a:pPr>
+                <a:endParaRPr lang="en-US" sz="3000" dirty="0"/>
+              </a:p>
+              <a:p>
+                <a:pPr marL="457200" lvl="0" indent="-457200" rtl="0">
+                  <a:spcBef>
+                    <a:spcPts val="0"/>
+                  </a:spcBef>
+                  <a:spcAft>
+                    <a:spcPts val="0"/>
+                  </a:spcAft>
+                  <a:buFont typeface="Arial" panose="020B0604020202020204" pitchFamily="34" charset="0"/>
+                  <a:buChar char="•"/>
+                </a:pPr>
+                <a:endParaRPr lang="en-US" sz="3000" dirty="0"/>
+              </a:p>
+              <a:p>
+                <a:pPr marL="457200" lvl="0" indent="-457200" rtl="0">
+                  <a:spcBef>
+                    <a:spcPts val="0"/>
+                  </a:spcBef>
+                  <a:spcAft>
+                    <a:spcPts val="0"/>
+                  </a:spcAft>
+                  <a:buFont typeface="Arial" panose="020B0604020202020204" pitchFamily="34" charset="0"/>
+                  <a:buChar char="•"/>
+                </a:pPr>
+                <a:endParaRPr lang="en-US" sz="3000" dirty="0"/>
+              </a:p>
+              <a:p>
+                <a:pPr marL="457200" lvl="0" indent="-457200" rtl="0">
+                  <a:spcBef>
+                    <a:spcPts val="0"/>
+                  </a:spcBef>
+                  <a:spcAft>
+                    <a:spcPts val="0"/>
+                  </a:spcAft>
+                  <a:buFont typeface="Arial" panose="020B0604020202020204" pitchFamily="34" charset="0"/>
+                  <a:buChar char="•"/>
+                </a:pPr>
+                <a:endParaRPr lang="en-US" sz="3000" dirty="0"/>
+              </a:p>
+              <a:p>
+                <a:pPr marL="457200" lvl="0" indent="-457200" rtl="0">
+                  <a:spcBef>
+                    <a:spcPts val="0"/>
+                  </a:spcBef>
+                  <a:spcAft>
+                    <a:spcPts val="0"/>
+                  </a:spcAft>
+                  <a:buFont typeface="Arial" panose="020B0604020202020204" pitchFamily="34" charset="0"/>
+                  <a:buChar char="•"/>
+                </a:pPr>
+                <a:endParaRPr lang="en-US" sz="3000" dirty="0"/>
+              </a:p>
+              <a:p>
+                <a:pPr marL="457200" lvl="0" indent="-457200" rtl="0">
+                  <a:spcBef>
+                    <a:spcPts val="0"/>
+                  </a:spcBef>
+                  <a:spcAft>
+                    <a:spcPts val="0"/>
+                  </a:spcAft>
+                  <a:buFont typeface="Arial" panose="020B0604020202020204" pitchFamily="34" charset="0"/>
+                  <a:buChar char="•"/>
+                </a:pPr>
+                <a:endParaRPr lang="en-US" sz="3000" dirty="0"/>
+              </a:p>
+              <a:p>
+                <a:pPr marL="457200" lvl="0" indent="-457200" rtl="0">
+                  <a:spcBef>
+                    <a:spcPts val="0"/>
+                  </a:spcBef>
+                  <a:spcAft>
+                    <a:spcPts val="0"/>
+                  </a:spcAft>
+                  <a:buFont typeface="Arial" panose="020B0604020202020204" pitchFamily="34" charset="0"/>
+                  <a:buChar char="•"/>
+                </a:pPr>
+                <a:endParaRPr lang="en-US" sz="3000" dirty="0"/>
+              </a:p>
+              <a:p>
+                <a:pPr marL="457200" lvl="0" indent="-457200" rtl="0">
+                  <a:spcBef>
+                    <a:spcPts val="0"/>
+                  </a:spcBef>
+                  <a:spcAft>
+                    <a:spcPts val="0"/>
+                  </a:spcAft>
+                  <a:buFont typeface="Arial" panose="020B0604020202020204" pitchFamily="34" charset="0"/>
+                  <a:buChar char="•"/>
+                </a:pPr>
+                <a:endParaRPr lang="en-US" sz="3000" dirty="0"/>
+              </a:p>
+              <a:p>
+                <a:pPr marL="457200" lvl="0" indent="-457200" rtl="0">
+                  <a:spcBef>
+                    <a:spcPts val="0"/>
+                  </a:spcBef>
+                  <a:spcAft>
+                    <a:spcPts val="0"/>
+                  </a:spcAft>
+                  <a:buFont typeface="Arial" panose="020B0604020202020204" pitchFamily="34" charset="0"/>
+                  <a:buChar char="•"/>
+                </a:pPr>
+                <a:endParaRPr lang="en-US" sz="3000" dirty="0"/>
+              </a:p>
+              <a:p>
+                <a:pPr marL="457200" lvl="0" indent="-457200" rtl="0">
+                  <a:spcBef>
+                    <a:spcPts val="0"/>
+                  </a:spcBef>
+                  <a:spcAft>
+                    <a:spcPts val="0"/>
+                  </a:spcAft>
+                  <a:buFont typeface="Arial" panose="020B0604020202020204" pitchFamily="34" charset="0"/>
+                  <a:buChar char="•"/>
+                </a:pPr>
+                <a:endParaRPr lang="en-US" sz="3000" dirty="0"/>
+              </a:p>
+              <a:p>
+                <a:pPr marL="457200" lvl="0" indent="-457200" rtl="0">
+                  <a:spcBef>
+                    <a:spcPts val="0"/>
+                  </a:spcBef>
+                  <a:spcAft>
+                    <a:spcPts val="0"/>
+                  </a:spcAft>
+                  <a:buFont typeface="Arial" panose="020B0604020202020204" pitchFamily="34" charset="0"/>
+                  <a:buChar char="•"/>
+                </a:pPr>
+                <a:r>
+                  <a:rPr lang="en-US" sz="3000" dirty="0"/>
+                  <a:t>Our developed tool also allows for customization of the polygonal clusters, including allowing outside points, unbalanced clusters, and different point distributions.</a:t>
+                </a:r>
+              </a:p>
             </p:txBody>
           </p:sp>
         </mc:Choice>
-        <mc:Fallback>
+        <mc:Fallback xmlns="">
           <p:sp>
             <p:nvSpPr>
               <p:cNvPr id="57" name="Google Shape;57;p13"/>
@@ -6552,7 +6774,7 @@
               <a:blipFill>
                 <a:blip r:embed="rId3"/>
                 <a:stretch>
-                  <a:fillRect l="-867" t="-757"/>
+                  <a:fillRect l="-867" t="-757" b="-473"/>
                 </a:stretch>
               </a:blipFill>
               <a:ln>
@@ -6583,7 +6805,7 @@
         <p:spPr>
           <a:xfrm>
             <a:off x="29937710" y="7023735"/>
-            <a:ext cx="13017500" cy="13865225"/>
+            <a:ext cx="13017500" cy="15998995"/>
           </a:xfrm>
           <a:prstGeom prst="rect">
             <a:avLst/>
@@ -6656,6 +6878,360 @@
             <a:r>
               <a:rPr lang="en-US" sz="3000" dirty="0"/>
               <a:t>We then asked LIME to explain predictions for three challenging points:</a:t>
+            </a:r>
+          </a:p>
+          <a:p>
+            <a:pPr marL="0" lvl="0" indent="0" rtl="0">
+              <a:spcBef>
+                <a:spcPts val="0"/>
+              </a:spcBef>
+              <a:spcAft>
+                <a:spcPts val="0"/>
+              </a:spcAft>
+              <a:buNone/>
+            </a:pPr>
+            <a:r>
+              <a:rPr lang="en-US" sz="3000" dirty="0"/>
+              <a:t>    </a:t>
+            </a:r>
+          </a:p>
+          <a:p>
+            <a:pPr marL="0" lvl="0" indent="0" rtl="0">
+              <a:spcBef>
+                <a:spcPts val="0"/>
+              </a:spcBef>
+              <a:spcAft>
+                <a:spcPts val="0"/>
+              </a:spcAft>
+              <a:buNone/>
+            </a:pPr>
+            <a:endParaRPr lang="en-US" sz="3000" dirty="0"/>
+          </a:p>
+          <a:p>
+            <a:pPr marL="0" lvl="0" indent="0" rtl="0">
+              <a:spcBef>
+                <a:spcPts val="0"/>
+              </a:spcBef>
+              <a:spcAft>
+                <a:spcPts val="0"/>
+              </a:spcAft>
+              <a:buNone/>
+            </a:pPr>
+            <a:endParaRPr lang="en-US" sz="3000" dirty="0"/>
+          </a:p>
+          <a:p>
+            <a:pPr marL="0" lvl="0" indent="0" rtl="0">
+              <a:spcBef>
+                <a:spcPts val="0"/>
+              </a:spcBef>
+              <a:spcAft>
+                <a:spcPts val="0"/>
+              </a:spcAft>
+              <a:buNone/>
+            </a:pPr>
+            <a:endParaRPr lang="en-US" sz="3000" dirty="0"/>
+          </a:p>
+          <a:p>
+            <a:pPr marL="0" lvl="0" indent="0" rtl="0">
+              <a:spcBef>
+                <a:spcPts val="0"/>
+              </a:spcBef>
+              <a:spcAft>
+                <a:spcPts val="0"/>
+              </a:spcAft>
+              <a:buNone/>
+            </a:pPr>
+            <a:endParaRPr lang="en-US" sz="3000" dirty="0"/>
+          </a:p>
+          <a:p>
+            <a:pPr marL="0" lvl="0" indent="0" rtl="0">
+              <a:spcBef>
+                <a:spcPts val="0"/>
+              </a:spcBef>
+              <a:spcAft>
+                <a:spcPts val="0"/>
+              </a:spcAft>
+              <a:buNone/>
+            </a:pPr>
+            <a:endParaRPr lang="en-US" sz="3000" dirty="0"/>
+          </a:p>
+          <a:p>
+            <a:pPr marL="0" lvl="0" indent="0" rtl="0">
+              <a:spcBef>
+                <a:spcPts val="0"/>
+              </a:spcBef>
+              <a:spcAft>
+                <a:spcPts val="0"/>
+              </a:spcAft>
+              <a:buNone/>
+            </a:pPr>
+            <a:endParaRPr lang="en-US" sz="3000" dirty="0"/>
+          </a:p>
+          <a:p>
+            <a:pPr marL="0" lvl="0" indent="0" rtl="0">
+              <a:spcBef>
+                <a:spcPts val="0"/>
+              </a:spcBef>
+              <a:spcAft>
+                <a:spcPts val="0"/>
+              </a:spcAft>
+              <a:buNone/>
+            </a:pPr>
+            <a:endParaRPr lang="en-US" sz="3000" dirty="0"/>
+          </a:p>
+          <a:p>
+            <a:pPr marL="0" lvl="0" indent="0" rtl="0">
+              <a:spcBef>
+                <a:spcPts val="0"/>
+              </a:spcBef>
+              <a:spcAft>
+                <a:spcPts val="0"/>
+              </a:spcAft>
+              <a:buNone/>
+            </a:pPr>
+            <a:endParaRPr lang="en-US" sz="3000" dirty="0"/>
+          </a:p>
+          <a:p>
+            <a:pPr marL="0" lvl="0" indent="0" rtl="0">
+              <a:spcBef>
+                <a:spcPts val="0"/>
+              </a:spcBef>
+              <a:spcAft>
+                <a:spcPts val="0"/>
+              </a:spcAft>
+              <a:buNone/>
+            </a:pPr>
+            <a:endParaRPr lang="en-US" sz="3000" dirty="0"/>
+          </a:p>
+          <a:p>
+            <a:pPr marL="0" lvl="0" indent="0" rtl="0">
+              <a:spcBef>
+                <a:spcPts val="0"/>
+              </a:spcBef>
+              <a:spcAft>
+                <a:spcPts val="0"/>
+              </a:spcAft>
+              <a:buNone/>
+            </a:pPr>
+            <a:endParaRPr lang="en-US" sz="3000" dirty="0"/>
+          </a:p>
+          <a:p>
+            <a:pPr marL="0" lvl="0" indent="0" rtl="0">
+              <a:spcBef>
+                <a:spcPts val="0"/>
+              </a:spcBef>
+              <a:spcAft>
+                <a:spcPts val="0"/>
+              </a:spcAft>
+              <a:buNone/>
+            </a:pPr>
+            <a:endParaRPr lang="en-US" sz="3000" dirty="0"/>
+          </a:p>
+          <a:p>
+            <a:pPr marL="0" lvl="0" indent="0" rtl="0">
+              <a:spcBef>
+                <a:spcPts val="0"/>
+              </a:spcBef>
+              <a:spcAft>
+                <a:spcPts val="0"/>
+              </a:spcAft>
+              <a:buNone/>
+            </a:pPr>
+            <a:endParaRPr lang="en-US" sz="3000" dirty="0"/>
+          </a:p>
+          <a:p>
+            <a:pPr marL="0" lvl="0" indent="0" rtl="0">
+              <a:spcBef>
+                <a:spcPts val="0"/>
+              </a:spcBef>
+              <a:spcAft>
+                <a:spcPts val="0"/>
+              </a:spcAft>
+              <a:buNone/>
+            </a:pPr>
+            <a:endParaRPr lang="en-US" sz="3000" dirty="0"/>
+          </a:p>
+          <a:p>
+            <a:pPr marL="0" lvl="0" indent="0" rtl="0">
+              <a:spcBef>
+                <a:spcPts val="0"/>
+              </a:spcBef>
+              <a:spcAft>
+                <a:spcPts val="0"/>
+              </a:spcAft>
+              <a:buNone/>
+            </a:pPr>
+            <a:endParaRPr lang="en-US" sz="3000" dirty="0"/>
+          </a:p>
+          <a:p>
+            <a:pPr marL="0" lvl="0" indent="0" rtl="0">
+              <a:spcBef>
+                <a:spcPts val="0"/>
+              </a:spcBef>
+              <a:spcAft>
+                <a:spcPts val="0"/>
+              </a:spcAft>
+              <a:buNone/>
+            </a:pPr>
+            <a:endParaRPr lang="en-US" sz="3000" dirty="0"/>
+          </a:p>
+          <a:p>
+            <a:pPr marL="0" lvl="0" indent="0" rtl="0">
+              <a:spcBef>
+                <a:spcPts val="0"/>
+              </a:spcBef>
+              <a:spcAft>
+                <a:spcPts val="0"/>
+              </a:spcAft>
+              <a:buNone/>
+            </a:pPr>
+            <a:endParaRPr lang="en-US" sz="3000" dirty="0"/>
+          </a:p>
+          <a:p>
+            <a:pPr marL="0" lvl="0" indent="0" rtl="0">
+              <a:spcBef>
+                <a:spcPts val="0"/>
+              </a:spcBef>
+              <a:spcAft>
+                <a:spcPts val="0"/>
+              </a:spcAft>
+              <a:buNone/>
+            </a:pPr>
+            <a:endParaRPr lang="en-US" sz="3000" dirty="0"/>
+          </a:p>
+          <a:p>
+            <a:pPr marL="0" lvl="0" indent="0" rtl="0">
+              <a:spcBef>
+                <a:spcPts val="0"/>
+              </a:spcBef>
+              <a:spcAft>
+                <a:spcPts val="0"/>
+              </a:spcAft>
+              <a:buNone/>
+            </a:pPr>
+            <a:endParaRPr lang="en-US" sz="3000" dirty="0"/>
+          </a:p>
+          <a:p>
+            <a:pPr marL="0" lvl="0" indent="0" rtl="0">
+              <a:spcBef>
+                <a:spcPts val="0"/>
+              </a:spcBef>
+              <a:spcAft>
+                <a:spcPts val="0"/>
+              </a:spcAft>
+              <a:buNone/>
+            </a:pPr>
+            <a:endParaRPr lang="en-US" sz="3000" dirty="0"/>
+          </a:p>
+          <a:p>
+            <a:pPr marL="0" lvl="0" indent="0" rtl="0">
+              <a:spcBef>
+                <a:spcPts val="0"/>
+              </a:spcBef>
+              <a:spcAft>
+                <a:spcPts val="0"/>
+              </a:spcAft>
+              <a:buNone/>
+            </a:pPr>
+            <a:endParaRPr lang="en-US" sz="3000" dirty="0"/>
+          </a:p>
+          <a:p>
+            <a:pPr marL="0" lvl="0" indent="0" rtl="0">
+              <a:spcBef>
+                <a:spcPts val="0"/>
+              </a:spcBef>
+              <a:spcAft>
+                <a:spcPts val="0"/>
+              </a:spcAft>
+              <a:buNone/>
+            </a:pPr>
+            <a:endParaRPr lang="en-US" sz="3000" dirty="0"/>
+          </a:p>
+          <a:p>
+            <a:pPr marL="0" lvl="0" indent="0" rtl="0">
+              <a:spcBef>
+                <a:spcPts val="0"/>
+              </a:spcBef>
+              <a:spcAft>
+                <a:spcPts val="0"/>
+              </a:spcAft>
+              <a:buNone/>
+            </a:pPr>
+            <a:endParaRPr lang="en-US" sz="3000" dirty="0"/>
+          </a:p>
+          <a:p>
+            <a:pPr marL="0" lvl="0" indent="0" rtl="0">
+              <a:spcBef>
+                <a:spcPts val="0"/>
+              </a:spcBef>
+              <a:spcAft>
+                <a:spcPts val="0"/>
+              </a:spcAft>
+              <a:buNone/>
+            </a:pPr>
+            <a:r>
+              <a:rPr lang="en-US" sz="3000" dirty="0"/>
+              <a:t>    </a:t>
+            </a:r>
+          </a:p>
+          <a:p>
+            <a:pPr marL="0" lvl="0" indent="0" rtl="0">
+              <a:spcBef>
+                <a:spcPts val="0"/>
+              </a:spcBef>
+              <a:spcAft>
+                <a:spcPts val="0"/>
+              </a:spcAft>
+              <a:buNone/>
+            </a:pPr>
+            <a:r>
+              <a:rPr lang="en-US" sz="3000" dirty="0"/>
+              <a:t>    The explanation for point Q3 at (-0.22, 0) above shows</a:t>
+            </a:r>
+          </a:p>
+          <a:p>
+            <a:pPr marL="0" lvl="0" indent="0" rtl="0">
+              <a:spcBef>
+                <a:spcPts val="0"/>
+              </a:spcBef>
+              <a:spcAft>
+                <a:spcPts val="0"/>
+              </a:spcAft>
+              <a:buNone/>
+            </a:pPr>
+            <a:r>
+              <a:rPr lang="en-US" sz="3000" dirty="0"/>
+              <a:t>    that LIME’s explanation may differ from the actual prediction of the </a:t>
+            </a:r>
+          </a:p>
+          <a:p>
+            <a:pPr marL="0" lvl="0" indent="0" rtl="0">
+              <a:spcBef>
+                <a:spcPts val="0"/>
+              </a:spcBef>
+              <a:spcAft>
+                <a:spcPts val="0"/>
+              </a:spcAft>
+              <a:buNone/>
+            </a:pPr>
+            <a:r>
+              <a:rPr lang="en-US" sz="3000" dirty="0"/>
+              <a:t>    classifier, appearing to violate the local faithfulness of LIME’s </a:t>
+            </a:r>
+          </a:p>
+          <a:p>
+            <a:pPr marL="0" lvl="0" indent="0" rtl="0">
+              <a:spcBef>
+                <a:spcPts val="0"/>
+              </a:spcBef>
+              <a:spcAft>
+                <a:spcPts val="0"/>
+              </a:spcAft>
+              <a:buNone/>
+            </a:pPr>
+            <a:r>
+              <a:rPr lang="en-US" sz="3000" dirty="0"/>
+              <a:t>    explanations.</a:t>
             </a:r>
             <a:endParaRPr sz="3000" dirty="0"/>
           </a:p>
@@ -7709,8 +8285,8 @@
         </p:nvSpPr>
         <p:spPr>
           <a:xfrm>
-            <a:off x="29937710" y="21918995"/>
-            <a:ext cx="13017500" cy="6867929"/>
+            <a:off x="29937710" y="23951381"/>
+            <a:ext cx="13017500" cy="4835543"/>
           </a:xfrm>
           <a:prstGeom prst="rect">
             <a:avLst/>
@@ -7785,7 +8361,7 @@
             </a:pPr>
             <a:r>
               <a:rPr lang="en-US" sz="3000" dirty="0"/>
-              <a:t>    synthetic datasets. The generated datasets are easily visualized and can </a:t>
+              <a:t>    synthetic datasets in order to investigate classifier and explainer </a:t>
             </a:r>
           </a:p>
           <a:p>
@@ -7800,7 +8376,22 @@
             </a:pPr>
             <a:r>
               <a:rPr lang="en-US" sz="3000" dirty="0"/>
-              <a:t>    be customized to fit different geometric and statistical structures. Using </a:t>
+              <a:t>    behavior. The generated datasets are easily visualized and can be </a:t>
+            </a:r>
+          </a:p>
+          <a:p>
+            <a:pPr marL="0" lvl="0" indent="0" rtl="0">
+              <a:spcBef>
+                <a:spcPts val="0"/>
+              </a:spcBef>
+              <a:spcAft>
+                <a:spcPts val="0"/>
+              </a:spcAft>
+              <a:buNone/>
+            </a:pPr>
+            <a:r>
+              <a:rPr lang="en-US" sz="3000" dirty="0"/>
+              <a:t>    customized to fit different geometric and statistical structures. Using </a:t>
             </a:r>
           </a:p>
           <a:p>
@@ -7845,112 +8436,7 @@
             </a:pPr>
             <a:r>
               <a:rPr lang="en-US" sz="3000" dirty="0"/>
-              <a:t>    of a generated classification problem.</a:t>
-            </a:r>
-          </a:p>
-          <a:p>
-            <a:pPr marL="0" lvl="0" indent="0" rtl="0">
-              <a:spcBef>
-                <a:spcPts val="0"/>
-              </a:spcBef>
-              <a:spcAft>
-                <a:spcPts val="0"/>
-              </a:spcAft>
-              <a:buNone/>
-            </a:pPr>
-            <a:r>
-              <a:rPr lang="en-US" sz="3000" dirty="0"/>
-              <a:t>    </a:t>
-            </a:r>
-          </a:p>
-          <a:p>
-            <a:pPr marL="0" lvl="0" indent="0" rtl="0">
-              <a:spcBef>
-                <a:spcPts val="0"/>
-              </a:spcBef>
-              <a:spcAft>
-                <a:spcPts val="0"/>
-              </a:spcAft>
-              <a:buNone/>
-            </a:pPr>
-            <a:r>
-              <a:rPr lang="en-US" sz="3000" dirty="0"/>
-              <a:t>    We have also shown that this method of polygonal data can be used to</a:t>
-            </a:r>
-          </a:p>
-          <a:p>
-            <a:pPr marL="0" lvl="0" indent="0" rtl="0">
-              <a:spcBef>
-                <a:spcPts val="0"/>
-              </a:spcBef>
-              <a:spcAft>
-                <a:spcPts val="0"/>
-              </a:spcAft>
-              <a:buNone/>
-            </a:pPr>
-            <a:r>
-              <a:rPr lang="en-US" sz="3000" dirty="0"/>
-              <a:t>    investigate classifier and explainer behavior by producing interesting</a:t>
-            </a:r>
-          </a:p>
-          <a:p>
-            <a:pPr marL="0" lvl="0" indent="0" rtl="0">
-              <a:spcBef>
-                <a:spcPts val="0"/>
-              </a:spcBef>
-              <a:spcAft>
-                <a:spcPts val="0"/>
-              </a:spcAft>
-              <a:buNone/>
-            </a:pPr>
-            <a:r>
-              <a:rPr lang="en-US" sz="3000" dirty="0"/>
-              <a:t>    behavior of LIME. The explanation for point Q3 at (-0.22, 0) above shows</a:t>
-            </a:r>
-          </a:p>
-          <a:p>
-            <a:pPr marL="0" lvl="0" indent="0" rtl="0">
-              <a:spcBef>
-                <a:spcPts val="0"/>
-              </a:spcBef>
-              <a:spcAft>
-                <a:spcPts val="0"/>
-              </a:spcAft>
-              <a:buNone/>
-            </a:pPr>
-            <a:r>
-              <a:rPr lang="en-US" sz="3000" dirty="0"/>
-              <a:t>    that LIME’s explanation may differ from the actual prediction of the </a:t>
-            </a:r>
-          </a:p>
-          <a:p>
-            <a:pPr marL="0" lvl="0" indent="0" rtl="0">
-              <a:spcBef>
-                <a:spcPts val="0"/>
-              </a:spcBef>
-              <a:spcAft>
-                <a:spcPts val="0"/>
-              </a:spcAft>
-              <a:buNone/>
-            </a:pPr>
-            <a:r>
-              <a:rPr lang="en-US" sz="3000" dirty="0"/>
-              <a:t>    classifier.</a:t>
-            </a:r>
-          </a:p>
-          <a:p>
-            <a:pPr marL="0" lvl="0" indent="0" rtl="0">
-              <a:spcBef>
-                <a:spcPts val="0"/>
-              </a:spcBef>
-              <a:spcAft>
-                <a:spcPts val="0"/>
-              </a:spcAft>
-              <a:buNone/>
-            </a:pPr>
-            <a:r>
-              <a:rPr lang="en-US" sz="3000" dirty="0"/>
-              <a:t>    </a:t>
+              <a:t>    of a generated classification problem.    </a:t>
             </a:r>
           </a:p>
         </p:txBody>
@@ -7963,7 +8449,7 @@
         </p:nvSpPr>
         <p:spPr>
           <a:xfrm>
-            <a:off x="7279739" y="17059630"/>
+            <a:off x="7279738" y="17421784"/>
             <a:ext cx="6360955" cy="564860"/>
           </a:xfrm>
           <a:prstGeom prst="rect">
@@ -8483,38 +8969,8 @@
         </p:blipFill>
         <p:spPr>
           <a:xfrm>
-            <a:off x="7279739" y="13077699"/>
+            <a:off x="7279739" y="13725399"/>
             <a:ext cx="6360955" cy="3956906"/>
-          </a:xfrm>
-          <a:prstGeom prst="rect">
-            <a:avLst/>
-          </a:prstGeom>
-        </p:spPr>
-      </p:pic>
-      <p:pic>
-        <p:nvPicPr>
-          <p:cNvPr id="7" name="Picture 6" descr="A picture containing ax, outdoor object&#10;&#10;Description automatically generated">
-            <a:extLst>
-              <a:ext uri="{FF2B5EF4-FFF2-40B4-BE49-F238E27FC236}">
-                <a16:creationId xmlns:a16="http://schemas.microsoft.com/office/drawing/2014/main" id="{6FC0B804-2EF6-4947-8BCE-1492C611E104}"/>
-              </a:ext>
-            </a:extLst>
-          </p:cNvPr>
-          <p:cNvPicPr>
-            <a:picLocks noChangeAspect="1"/>
-          </p:cNvPicPr>
-          <p:nvPr/>
-        </p:nvPicPr>
-        <p:blipFill>
-          <a:blip r:embed="rId8"/>
-          <a:stretch>
-            <a:fillRect/>
-          </a:stretch>
-        </p:blipFill>
-        <p:spPr>
-          <a:xfrm>
-            <a:off x="16609278" y="12325337"/>
-            <a:ext cx="9839916" cy="6421839"/>
           </a:xfrm>
           <a:prstGeom prst="rect">
             <a:avLst/>
@@ -8536,7 +8992,7 @@
           <p:nvPr/>
         </p:nvPicPr>
         <p:blipFill>
-          <a:blip r:embed="rId9"/>
+          <a:blip r:embed="rId8"/>
           <a:stretch>
             <a:fillRect/>
           </a:stretch>
@@ -8595,7 +9051,22 @@
             </a:pPr>
             <a:r>
               <a:rPr lang="en-US" sz="2400" dirty="0"/>
-              <a:t>The generated dataset with test points marked by red ‘X’s</a:t>
+              <a:t>The generated dataset with test points</a:t>
+            </a:r>
+          </a:p>
+          <a:p>
+            <a:pPr marL="0" lvl="0" indent="0" rtl="0">
+              <a:spcBef>
+                <a:spcPts val="0"/>
+              </a:spcBef>
+              <a:spcAft>
+                <a:spcPts val="0"/>
+              </a:spcAft>
+              <a:buNone/>
+            </a:pPr>
+            <a:r>
+              <a:rPr lang="en-US" sz="2400" dirty="0"/>
+              <a:t>Q1, Q2, and Q3</a:t>
             </a:r>
             <a:endParaRPr sz="1800" dirty="0"/>
           </a:p>
@@ -8645,8 +9116,28 @@
             </a:pPr>
             <a:r>
               <a:rPr lang="en-US" sz="2400" dirty="0"/>
-              <a:t>The MLP’s decision function with test points marked by red ‘X’s</a:t>
-            </a:r>
+              <a:t>The MLP’s decision function with </a:t>
+            </a:r>
+            <a:r>
+              <a:rPr lang="en-US" sz="2400"/>
+              <a:t>test points Q1</a:t>
+            </a:r>
+            <a:r>
+              <a:rPr lang="en-US" sz="2400" dirty="0"/>
+              <a:t>, Q2, and Q3</a:t>
+            </a:r>
+            <a:endParaRPr lang="en-US" sz="1800" dirty="0"/>
+          </a:p>
+          <a:p>
+            <a:pPr marL="0" lvl="0" indent="0" rtl="0">
+              <a:spcBef>
+                <a:spcPts val="0"/>
+              </a:spcBef>
+              <a:spcAft>
+                <a:spcPts val="0"/>
+              </a:spcAft>
+              <a:buNone/>
+            </a:pPr>
             <a:endParaRPr sz="1800" dirty="0"/>
           </a:p>
         </p:txBody>
@@ -8665,8 +9156,8 @@
         </p:nvSpPr>
         <p:spPr>
           <a:xfrm>
-            <a:off x="34194877" y="19896762"/>
-            <a:ext cx="5237942" cy="564860"/>
+            <a:off x="31996791" y="19798731"/>
+            <a:ext cx="9011309" cy="564860"/>
           </a:xfrm>
           <a:prstGeom prst="rect">
             <a:avLst/>
@@ -8695,9 +9186,9 @@
             </a:pPr>
             <a:r>
               <a:rPr lang="en-US" sz="2400" dirty="0"/>
-              <a:t>LIME explanations for the test points</a:t>
-            </a:r>
-            <a:endParaRPr sz="1800" dirty="0"/>
+              <a:t>Top to Bottom: LIME explanations for the points Q1, Q2, and Q3</a:t>
+            </a:r>
+            <a:endParaRPr lang="en-US" sz="1800" dirty="0"/>
           </a:p>
         </p:txBody>
       </p:sp>
@@ -8716,7 +9207,7 @@
           <p:nvPr/>
         </p:nvPicPr>
         <p:blipFill>
-          <a:blip r:embed="rId10"/>
+          <a:blip r:embed="rId9"/>
           <a:stretch>
             <a:fillRect/>
           </a:stretch>
@@ -8746,7 +9237,7 @@
           <p:nvPr/>
         </p:nvPicPr>
         <p:blipFill>
-          <a:blip r:embed="rId11"/>
+          <a:blip r:embed="rId10"/>
           <a:stretch>
             <a:fillRect/>
           </a:stretch>
@@ -8776,7 +9267,7 @@
           <p:nvPr/>
         </p:nvPicPr>
         <p:blipFill>
-          <a:blip r:embed="rId12"/>
+          <a:blip r:embed="rId11"/>
           <a:stretch>
             <a:fillRect/>
           </a:stretch>
@@ -8785,6 +9276,36 @@
           <a:xfrm>
             <a:off x="36402918" y="9747906"/>
             <a:ext cx="6404594" cy="4201955"/>
+          </a:xfrm>
+          <a:prstGeom prst="rect">
+            <a:avLst/>
+          </a:prstGeom>
+        </p:spPr>
+      </p:pic>
+      <p:pic>
+        <p:nvPicPr>
+          <p:cNvPr id="16" name="Picture 15" descr="Shape&#10;&#10;Description automatically generated">
+            <a:extLst>
+              <a:ext uri="{FF2B5EF4-FFF2-40B4-BE49-F238E27FC236}">
+                <a16:creationId xmlns:a16="http://schemas.microsoft.com/office/drawing/2014/main" id="{22139451-E62A-4D9F-964E-AABC67D64D82}"/>
+              </a:ext>
+            </a:extLst>
+          </p:cNvPr>
+          <p:cNvPicPr>
+            <a:picLocks noChangeAspect="1"/>
+          </p:cNvPicPr>
+          <p:nvPr/>
+        </p:nvPicPr>
+        <p:blipFill>
+          <a:blip r:embed="rId12"/>
+          <a:stretch>
+            <a:fillRect/>
+          </a:stretch>
+        </p:blipFill>
+        <p:spPr>
+          <a:xfrm>
+            <a:off x="17391973" y="12199188"/>
+            <a:ext cx="9107254" cy="5881768"/>
           </a:xfrm>
           <a:prstGeom prst="rect">
             <a:avLst/>
